--- a/slides/GPIO.pptx
+++ b/slides/GPIO.pptx
@@ -112,7 +112,7 @@
   </p:defaultTextStyle>
   <p:extLst>
     <p:ext uri="{EFAFB233-063F-42B5-8137-9DF3F51BA10A}">
-      <p15:sldGuideLst xmlns:p15="http://schemas.microsoft.com/office/powerpoint/2012/main"/>
+      <p15:sldGuideLst xmlns:p15="http://schemas.microsoft.com/office/powerpoint/2012/main" xmlns=""/>
     </p:ext>
   </p:extLst>
 </p:presentation>
@@ -249,7 +249,8 @@
           <a:p>
             <a:fld id="{DDB7A819-26C3-43B1-952A-7568FE61A8A3}" type="datetimeFigureOut">
               <a:rPr lang="en-US" smtClean="0"/>
-              <a:t>10/13/2019</a:t>
+              <a:pPr/>
+              <a:t>4/17/2020</a:t>
             </a:fld>
             <a:endParaRPr lang="en-US"/>
           </a:p>
@@ -291,6 +292,7 @@
           <a:p>
             <a:fld id="{A04C78A1-9E40-441E-825A-19B08EA81455}" type="slidenum">
               <a:rPr lang="en-US" smtClean="0"/>
+              <a:pPr/>
               <a:t>‹#›</a:t>
             </a:fld>
             <a:endParaRPr lang="en-US"/>
@@ -300,7 +302,7 @@
     </p:spTree>
     <p:extLst>
       <p:ext uri="{BB962C8B-B14F-4D97-AF65-F5344CB8AC3E}">
-        <p14:creationId xmlns:p14="http://schemas.microsoft.com/office/powerpoint/2010/main" val="3362485677"/>
+        <p14:creationId xmlns:p14="http://schemas.microsoft.com/office/powerpoint/2010/main" xmlns="" val="3362485677"/>
       </p:ext>
     </p:extLst>
   </p:cSld>
@@ -419,7 +421,8 @@
           <a:p>
             <a:fld id="{DDB7A819-26C3-43B1-952A-7568FE61A8A3}" type="datetimeFigureOut">
               <a:rPr lang="en-US" smtClean="0"/>
-              <a:t>10/13/2019</a:t>
+              <a:pPr/>
+              <a:t>4/17/2020</a:t>
             </a:fld>
             <a:endParaRPr lang="en-US"/>
           </a:p>
@@ -461,6 +464,7 @@
           <a:p>
             <a:fld id="{A04C78A1-9E40-441E-825A-19B08EA81455}" type="slidenum">
               <a:rPr lang="en-US" smtClean="0"/>
+              <a:pPr/>
               <a:t>‹#›</a:t>
             </a:fld>
             <a:endParaRPr lang="en-US"/>
@@ -470,7 +474,7 @@
     </p:spTree>
     <p:extLst>
       <p:ext uri="{BB962C8B-B14F-4D97-AF65-F5344CB8AC3E}">
-        <p14:creationId xmlns:p14="http://schemas.microsoft.com/office/powerpoint/2010/main" val="1128607921"/>
+        <p14:creationId xmlns:p14="http://schemas.microsoft.com/office/powerpoint/2010/main" xmlns="" val="1128607921"/>
       </p:ext>
     </p:extLst>
   </p:cSld>
@@ -599,7 +603,8 @@
           <a:p>
             <a:fld id="{DDB7A819-26C3-43B1-952A-7568FE61A8A3}" type="datetimeFigureOut">
               <a:rPr lang="en-US" smtClean="0"/>
-              <a:t>10/13/2019</a:t>
+              <a:pPr/>
+              <a:t>4/17/2020</a:t>
             </a:fld>
             <a:endParaRPr lang="en-US"/>
           </a:p>
@@ -641,6 +646,7 @@
           <a:p>
             <a:fld id="{A04C78A1-9E40-441E-825A-19B08EA81455}" type="slidenum">
               <a:rPr lang="en-US" smtClean="0"/>
+              <a:pPr/>
               <a:t>‹#›</a:t>
             </a:fld>
             <a:endParaRPr lang="en-US"/>
@@ -650,7 +656,7 @@
     </p:spTree>
     <p:extLst>
       <p:ext uri="{BB962C8B-B14F-4D97-AF65-F5344CB8AC3E}">
-        <p14:creationId xmlns:p14="http://schemas.microsoft.com/office/powerpoint/2010/main" val="2550901255"/>
+        <p14:creationId xmlns:p14="http://schemas.microsoft.com/office/powerpoint/2010/main" xmlns="" val="2550901255"/>
       </p:ext>
     </p:extLst>
   </p:cSld>
@@ -769,7 +775,8 @@
           <a:p>
             <a:fld id="{DDB7A819-26C3-43B1-952A-7568FE61A8A3}" type="datetimeFigureOut">
               <a:rPr lang="en-US" smtClean="0"/>
-              <a:t>10/13/2019</a:t>
+              <a:pPr/>
+              <a:t>4/17/2020</a:t>
             </a:fld>
             <a:endParaRPr lang="en-US"/>
           </a:p>
@@ -811,6 +818,7 @@
           <a:p>
             <a:fld id="{A04C78A1-9E40-441E-825A-19B08EA81455}" type="slidenum">
               <a:rPr lang="en-US" smtClean="0"/>
+              <a:pPr/>
               <a:t>‹#›</a:t>
             </a:fld>
             <a:endParaRPr lang="en-US"/>
@@ -820,7 +828,7 @@
     </p:spTree>
     <p:extLst>
       <p:ext uri="{BB962C8B-B14F-4D97-AF65-F5344CB8AC3E}">
-        <p14:creationId xmlns:p14="http://schemas.microsoft.com/office/powerpoint/2010/main" val="1681519328"/>
+        <p14:creationId xmlns:p14="http://schemas.microsoft.com/office/powerpoint/2010/main" xmlns="" val="1681519328"/>
       </p:ext>
     </p:extLst>
   </p:cSld>
@@ -1015,7 +1023,8 @@
           <a:p>
             <a:fld id="{DDB7A819-26C3-43B1-952A-7568FE61A8A3}" type="datetimeFigureOut">
               <a:rPr lang="en-US" smtClean="0"/>
-              <a:t>10/13/2019</a:t>
+              <a:pPr/>
+              <a:t>4/17/2020</a:t>
             </a:fld>
             <a:endParaRPr lang="en-US"/>
           </a:p>
@@ -1057,6 +1066,7 @@
           <a:p>
             <a:fld id="{A04C78A1-9E40-441E-825A-19B08EA81455}" type="slidenum">
               <a:rPr lang="en-US" smtClean="0"/>
+              <a:pPr/>
               <a:t>‹#›</a:t>
             </a:fld>
             <a:endParaRPr lang="en-US"/>
@@ -1066,7 +1076,7 @@
     </p:spTree>
     <p:extLst>
       <p:ext uri="{BB962C8B-B14F-4D97-AF65-F5344CB8AC3E}">
-        <p14:creationId xmlns:p14="http://schemas.microsoft.com/office/powerpoint/2010/main" val="2820453292"/>
+        <p14:creationId xmlns:p14="http://schemas.microsoft.com/office/powerpoint/2010/main" xmlns="" val="2820453292"/>
       </p:ext>
     </p:extLst>
   </p:cSld>
@@ -1247,7 +1257,8 @@
           <a:p>
             <a:fld id="{DDB7A819-26C3-43B1-952A-7568FE61A8A3}" type="datetimeFigureOut">
               <a:rPr lang="en-US" smtClean="0"/>
-              <a:t>10/13/2019</a:t>
+              <a:pPr/>
+              <a:t>4/17/2020</a:t>
             </a:fld>
             <a:endParaRPr lang="en-US"/>
           </a:p>
@@ -1289,6 +1300,7 @@
           <a:p>
             <a:fld id="{A04C78A1-9E40-441E-825A-19B08EA81455}" type="slidenum">
               <a:rPr lang="en-US" smtClean="0"/>
+              <a:pPr/>
               <a:t>‹#›</a:t>
             </a:fld>
             <a:endParaRPr lang="en-US"/>
@@ -1298,7 +1310,7 @@
     </p:spTree>
     <p:extLst>
       <p:ext uri="{BB962C8B-B14F-4D97-AF65-F5344CB8AC3E}">
-        <p14:creationId xmlns:p14="http://schemas.microsoft.com/office/powerpoint/2010/main" val="1160531191"/>
+        <p14:creationId xmlns:p14="http://schemas.microsoft.com/office/powerpoint/2010/main" xmlns="" val="1160531191"/>
       </p:ext>
     </p:extLst>
   </p:cSld>
@@ -1614,7 +1626,8 @@
           <a:p>
             <a:fld id="{DDB7A819-26C3-43B1-952A-7568FE61A8A3}" type="datetimeFigureOut">
               <a:rPr lang="en-US" smtClean="0"/>
-              <a:t>10/13/2019</a:t>
+              <a:pPr/>
+              <a:t>4/17/2020</a:t>
             </a:fld>
             <a:endParaRPr lang="en-US"/>
           </a:p>
@@ -1656,6 +1669,7 @@
           <a:p>
             <a:fld id="{A04C78A1-9E40-441E-825A-19B08EA81455}" type="slidenum">
               <a:rPr lang="en-US" smtClean="0"/>
+              <a:pPr/>
               <a:t>‹#›</a:t>
             </a:fld>
             <a:endParaRPr lang="en-US"/>
@@ -1665,7 +1679,7 @@
     </p:spTree>
     <p:extLst>
       <p:ext uri="{BB962C8B-B14F-4D97-AF65-F5344CB8AC3E}">
-        <p14:creationId xmlns:p14="http://schemas.microsoft.com/office/powerpoint/2010/main" val="3182229088"/>
+        <p14:creationId xmlns:p14="http://schemas.microsoft.com/office/powerpoint/2010/main" xmlns="" val="3182229088"/>
       </p:ext>
     </p:extLst>
   </p:cSld>
@@ -1732,7 +1746,8 @@
           <a:p>
             <a:fld id="{DDB7A819-26C3-43B1-952A-7568FE61A8A3}" type="datetimeFigureOut">
               <a:rPr lang="en-US" smtClean="0"/>
-              <a:t>10/13/2019</a:t>
+              <a:pPr/>
+              <a:t>4/17/2020</a:t>
             </a:fld>
             <a:endParaRPr lang="en-US"/>
           </a:p>
@@ -1774,6 +1789,7 @@
           <a:p>
             <a:fld id="{A04C78A1-9E40-441E-825A-19B08EA81455}" type="slidenum">
               <a:rPr lang="en-US" smtClean="0"/>
+              <a:pPr/>
               <a:t>‹#›</a:t>
             </a:fld>
             <a:endParaRPr lang="en-US"/>
@@ -1783,7 +1799,7 @@
     </p:spTree>
     <p:extLst>
       <p:ext uri="{BB962C8B-B14F-4D97-AF65-F5344CB8AC3E}">
-        <p14:creationId xmlns:p14="http://schemas.microsoft.com/office/powerpoint/2010/main" val="261026986"/>
+        <p14:creationId xmlns:p14="http://schemas.microsoft.com/office/powerpoint/2010/main" xmlns="" val="261026986"/>
       </p:ext>
     </p:extLst>
   </p:cSld>
@@ -1827,7 +1843,8 @@
           <a:p>
             <a:fld id="{DDB7A819-26C3-43B1-952A-7568FE61A8A3}" type="datetimeFigureOut">
               <a:rPr lang="en-US" smtClean="0"/>
-              <a:t>10/13/2019</a:t>
+              <a:pPr/>
+              <a:t>4/17/2020</a:t>
             </a:fld>
             <a:endParaRPr lang="en-US"/>
           </a:p>
@@ -1869,6 +1886,7 @@
           <a:p>
             <a:fld id="{A04C78A1-9E40-441E-825A-19B08EA81455}" type="slidenum">
               <a:rPr lang="en-US" smtClean="0"/>
+              <a:pPr/>
               <a:t>‹#›</a:t>
             </a:fld>
             <a:endParaRPr lang="en-US"/>
@@ -1878,7 +1896,7 @@
     </p:spTree>
     <p:extLst>
       <p:ext uri="{BB962C8B-B14F-4D97-AF65-F5344CB8AC3E}">
-        <p14:creationId xmlns:p14="http://schemas.microsoft.com/office/powerpoint/2010/main" val="4275541061"/>
+        <p14:creationId xmlns:p14="http://schemas.microsoft.com/office/powerpoint/2010/main" xmlns="" val="4275541061"/>
       </p:ext>
     </p:extLst>
   </p:cSld>
@@ -2104,7 +2122,8 @@
           <a:p>
             <a:fld id="{DDB7A819-26C3-43B1-952A-7568FE61A8A3}" type="datetimeFigureOut">
               <a:rPr lang="en-US" smtClean="0"/>
-              <a:t>10/13/2019</a:t>
+              <a:pPr/>
+              <a:t>4/17/2020</a:t>
             </a:fld>
             <a:endParaRPr lang="en-US"/>
           </a:p>
@@ -2146,6 +2165,7 @@
           <a:p>
             <a:fld id="{A04C78A1-9E40-441E-825A-19B08EA81455}" type="slidenum">
               <a:rPr lang="en-US" smtClean="0"/>
+              <a:pPr/>
               <a:t>‹#›</a:t>
             </a:fld>
             <a:endParaRPr lang="en-US"/>
@@ -2155,7 +2175,7 @@
     </p:spTree>
     <p:extLst>
       <p:ext uri="{BB962C8B-B14F-4D97-AF65-F5344CB8AC3E}">
-        <p14:creationId xmlns:p14="http://schemas.microsoft.com/office/powerpoint/2010/main" val="3660966063"/>
+        <p14:creationId xmlns:p14="http://schemas.microsoft.com/office/powerpoint/2010/main" xmlns="" val="3660966063"/>
       </p:ext>
     </p:extLst>
   </p:cSld>
@@ -2357,7 +2377,8 @@
           <a:p>
             <a:fld id="{DDB7A819-26C3-43B1-952A-7568FE61A8A3}" type="datetimeFigureOut">
               <a:rPr lang="en-US" smtClean="0"/>
-              <a:t>10/13/2019</a:t>
+              <a:pPr/>
+              <a:t>4/17/2020</a:t>
             </a:fld>
             <a:endParaRPr lang="en-US"/>
           </a:p>
@@ -2399,6 +2420,7 @@
           <a:p>
             <a:fld id="{A04C78A1-9E40-441E-825A-19B08EA81455}" type="slidenum">
               <a:rPr lang="en-US" smtClean="0"/>
+              <a:pPr/>
               <a:t>‹#›</a:t>
             </a:fld>
             <a:endParaRPr lang="en-US"/>
@@ -2408,7 +2430,7 @@
     </p:spTree>
     <p:extLst>
       <p:ext uri="{BB962C8B-B14F-4D97-AF65-F5344CB8AC3E}">
-        <p14:creationId xmlns:p14="http://schemas.microsoft.com/office/powerpoint/2010/main" val="4059052635"/>
+        <p14:creationId xmlns:p14="http://schemas.microsoft.com/office/powerpoint/2010/main" xmlns="" val="4059052635"/>
       </p:ext>
     </p:extLst>
   </p:cSld>
@@ -2570,7 +2592,8 @@
           <a:p>
             <a:fld id="{DDB7A819-26C3-43B1-952A-7568FE61A8A3}" type="datetimeFigureOut">
               <a:rPr lang="en-US" smtClean="0"/>
-              <a:t>10/13/2019</a:t>
+              <a:pPr/>
+              <a:t>4/17/2020</a:t>
             </a:fld>
             <a:endParaRPr lang="en-US"/>
           </a:p>
@@ -2648,6 +2671,7 @@
           <a:p>
             <a:fld id="{A04C78A1-9E40-441E-825A-19B08EA81455}" type="slidenum">
               <a:rPr lang="en-US" smtClean="0"/>
+              <a:pPr/>
               <a:t>‹#›</a:t>
             </a:fld>
             <a:endParaRPr lang="en-US"/>
@@ -2657,7 +2681,7 @@
     </p:spTree>
     <p:extLst>
       <p:ext uri="{BB962C8B-B14F-4D97-AF65-F5344CB8AC3E}">
-        <p14:creationId xmlns:p14="http://schemas.microsoft.com/office/powerpoint/2010/main" val="625761334"/>
+        <p14:creationId xmlns:p14="http://schemas.microsoft.com/office/powerpoint/2010/main" xmlns="" val="625761334"/>
       </p:ext>
     </p:extLst>
   </p:cSld>
@@ -2992,11 +3016,7 @@
           <a:p>
             <a:r>
               <a:rPr lang="en-US" dirty="0" smtClean="0"/>
-              <a:t>DIO </a:t>
-            </a:r>
-            <a:r>
-              <a:rPr lang="en-US" dirty="0" smtClean="0"/>
-              <a:t>Layered Arch.</a:t>
+              <a:t>DIO Layered Arch.</a:t>
             </a:r>
             <a:endParaRPr lang="en-US" dirty="0"/>
           </a:p>
@@ -3025,10 +3045,40 @@
           </a:p>
         </p:txBody>
       </p:sp>
+      <p:pic>
+        <p:nvPicPr>
+          <p:cNvPr id="5" name="Picture 4"/>
+          <p:cNvPicPr>
+            <a:picLocks noChangeAspect="1"/>
+          </p:cNvPicPr>
+          <p:nvPr/>
+        </p:nvPicPr>
+        <p:blipFill>
+          <a:blip r:embed="rId2" cstate="print">
+            <a:extLst>
+              <a:ext uri="{28A0092B-C50C-407E-A947-70E740481C1C}">
+                <a14:useLocalDpi xmlns="" xmlns:a14="http://schemas.microsoft.com/office/drawing/2010/main" xmlns:lc="http://schemas.openxmlformats.org/drawingml/2006/lockedCanvas" val="0"/>
+              </a:ext>
+            </a:extLst>
+          </a:blip>
+          <a:stretch>
+            <a:fillRect/>
+          </a:stretch>
+        </p:blipFill>
+        <p:spPr>
+          <a:xfrm>
+            <a:off x="0" y="0"/>
+            <a:ext cx="1062463" cy="751114"/>
+          </a:xfrm>
+          <a:prstGeom prst="rect">
+            <a:avLst/>
+          </a:prstGeom>
+        </p:spPr>
+      </p:pic>
     </p:spTree>
     <p:extLst>
       <p:ext uri="{BB962C8B-B14F-4D97-AF65-F5344CB8AC3E}">
-        <p14:creationId xmlns:p14="http://schemas.microsoft.com/office/powerpoint/2010/main" val="1693241329"/>
+        <p14:creationId xmlns:p14="http://schemas.microsoft.com/office/powerpoint/2010/main" xmlns="" val="1693241329"/>
       </p:ext>
     </p:extLst>
   </p:cSld>
@@ -3074,7 +3124,7 @@
         </p:nvSpPr>
         <p:spPr>
           <a:xfrm>
-            <a:off x="370114" y="228601"/>
+            <a:off x="1226457" y="228601"/>
             <a:ext cx="10504714" cy="613002"/>
           </a:xfrm>
         </p:spPr>
@@ -3167,10 +3217,40 @@
           </a:p>
         </p:txBody>
       </p:sp>
+      <p:pic>
+        <p:nvPicPr>
+          <p:cNvPr id="4" name="Picture 3"/>
+          <p:cNvPicPr>
+            <a:picLocks noChangeAspect="1"/>
+          </p:cNvPicPr>
+          <p:nvPr/>
+        </p:nvPicPr>
+        <p:blipFill>
+          <a:blip r:embed="rId2" cstate="print">
+            <a:extLst>
+              <a:ext uri="{28A0092B-C50C-407E-A947-70E740481C1C}">
+                <a14:useLocalDpi xmlns="" xmlns:a14="http://schemas.microsoft.com/office/drawing/2010/main" xmlns:lc="http://schemas.openxmlformats.org/drawingml/2006/lockedCanvas" val="0"/>
+              </a:ext>
+            </a:extLst>
+          </a:blip>
+          <a:stretch>
+            <a:fillRect/>
+          </a:stretch>
+        </p:blipFill>
+        <p:spPr>
+          <a:xfrm>
+            <a:off x="0" y="0"/>
+            <a:ext cx="1062463" cy="751114"/>
+          </a:xfrm>
+          <a:prstGeom prst="rect">
+            <a:avLst/>
+          </a:prstGeom>
+        </p:spPr>
+      </p:pic>
     </p:spTree>
     <p:extLst>
       <p:ext uri="{BB962C8B-B14F-4D97-AF65-F5344CB8AC3E}">
-        <p14:creationId xmlns:p14="http://schemas.microsoft.com/office/powerpoint/2010/main" val="3998580487"/>
+        <p14:creationId xmlns:p14="http://schemas.microsoft.com/office/powerpoint/2010/main" xmlns="" val="3998580487"/>
       </p:ext>
     </p:extLst>
   </p:cSld>
@@ -3244,7 +3324,7 @@
           <a:blip r:embed="rId2">
             <a:extLst>
               <a:ext uri="{28A0092B-C50C-407E-A947-70E740481C1C}">
-                <a14:useLocalDpi xmlns:a14="http://schemas.microsoft.com/office/drawing/2010/main" val="0"/>
+                <a14:useLocalDpi xmlns:a14="http://schemas.microsoft.com/office/drawing/2010/main" xmlns="" val="0"/>
               </a:ext>
             </a:extLst>
           </a:blip>
@@ -3264,7 +3344,7 @@
           <a:noFill/>
           <a:extLst>
             <a:ext uri="{909E8E84-426E-40DD-AFC4-6F175D3DCCD1}">
-              <a14:hiddenFill xmlns:a14="http://schemas.microsoft.com/office/drawing/2010/main">
+              <a14:hiddenFill xmlns:a14="http://schemas.microsoft.com/office/drawing/2010/main" xmlns="">
                 <a:solidFill>
                   <a:srgbClr val="FFFFFF"/>
                 </a:solidFill>
@@ -3273,10 +3353,40 @@
           </a:extLst>
         </p:spPr>
       </p:pic>
+      <p:pic>
+        <p:nvPicPr>
+          <p:cNvPr id="4" name="Picture 3"/>
+          <p:cNvPicPr>
+            <a:picLocks noChangeAspect="1"/>
+          </p:cNvPicPr>
+          <p:nvPr/>
+        </p:nvPicPr>
+        <p:blipFill>
+          <a:blip r:embed="rId3" cstate="print">
+            <a:extLst>
+              <a:ext uri="{28A0092B-C50C-407E-A947-70E740481C1C}">
+                <a14:useLocalDpi xmlns="" xmlns:a14="http://schemas.microsoft.com/office/drawing/2010/main" xmlns:lc="http://schemas.openxmlformats.org/drawingml/2006/lockedCanvas" val="0"/>
+              </a:ext>
+            </a:extLst>
+          </a:blip>
+          <a:stretch>
+            <a:fillRect/>
+          </a:stretch>
+        </p:blipFill>
+        <p:spPr>
+          <a:xfrm>
+            <a:off x="0" y="0"/>
+            <a:ext cx="1062463" cy="751114"/>
+          </a:xfrm>
+          <a:prstGeom prst="rect">
+            <a:avLst/>
+          </a:prstGeom>
+        </p:spPr>
+      </p:pic>
     </p:spTree>
     <p:extLst>
       <p:ext uri="{BB962C8B-B14F-4D97-AF65-F5344CB8AC3E}">
-        <p14:creationId xmlns:p14="http://schemas.microsoft.com/office/powerpoint/2010/main" val="1127982226"/>
+        <p14:creationId xmlns:p14="http://schemas.microsoft.com/office/powerpoint/2010/main" xmlns="" val="1127982226"/>
       </p:ext>
     </p:extLst>
   </p:cSld>
@@ -3352,7 +3462,7 @@
           <a:blip r:embed="rId2">
             <a:extLst>
               <a:ext uri="{28A0092B-C50C-407E-A947-70E740481C1C}">
-                <a14:useLocalDpi xmlns:a14="http://schemas.microsoft.com/office/drawing/2010/main" val="0"/>
+                <a14:useLocalDpi xmlns:a14="http://schemas.microsoft.com/office/drawing/2010/main" xmlns="" val="0"/>
               </a:ext>
             </a:extLst>
           </a:blip>
@@ -3372,7 +3482,7 @@
           <a:noFill/>
           <a:extLst>
             <a:ext uri="{909E8E84-426E-40DD-AFC4-6F175D3DCCD1}">
-              <a14:hiddenFill xmlns:a14="http://schemas.microsoft.com/office/drawing/2010/main">
+              <a14:hiddenFill xmlns:a14="http://schemas.microsoft.com/office/drawing/2010/main" xmlns="">
                 <a:solidFill>
                   <a:srgbClr val="FFFFFF"/>
                 </a:solidFill>
@@ -3381,10 +3491,40 @@
           </a:extLst>
         </p:spPr>
       </p:pic>
+      <p:pic>
+        <p:nvPicPr>
+          <p:cNvPr id="4" name="Picture 3"/>
+          <p:cNvPicPr>
+            <a:picLocks noChangeAspect="1"/>
+          </p:cNvPicPr>
+          <p:nvPr/>
+        </p:nvPicPr>
+        <p:blipFill>
+          <a:blip r:embed="rId3" cstate="print">
+            <a:extLst>
+              <a:ext uri="{28A0092B-C50C-407E-A947-70E740481C1C}">
+                <a14:useLocalDpi xmlns="" xmlns:a14="http://schemas.microsoft.com/office/drawing/2010/main" xmlns:lc="http://schemas.openxmlformats.org/drawingml/2006/lockedCanvas" val="0"/>
+              </a:ext>
+            </a:extLst>
+          </a:blip>
+          <a:stretch>
+            <a:fillRect/>
+          </a:stretch>
+        </p:blipFill>
+        <p:spPr>
+          <a:xfrm>
+            <a:off x="0" y="0"/>
+            <a:ext cx="1062463" cy="751114"/>
+          </a:xfrm>
+          <a:prstGeom prst="rect">
+            <a:avLst/>
+          </a:prstGeom>
+        </p:spPr>
+      </p:pic>
     </p:spTree>
     <p:extLst>
       <p:ext uri="{BB962C8B-B14F-4D97-AF65-F5344CB8AC3E}">
-        <p14:creationId xmlns:p14="http://schemas.microsoft.com/office/powerpoint/2010/main" val="1084031875"/>
+        <p14:creationId xmlns:p14="http://schemas.microsoft.com/office/powerpoint/2010/main" xmlns="" val="1084031875"/>
       </p:ext>
     </p:extLst>
   </p:cSld>
@@ -3486,7 +3626,7 @@
           <a:blip r:embed="rId2">
             <a:extLst>
               <a:ext uri="{28A0092B-C50C-407E-A947-70E740481C1C}">
-                <a14:useLocalDpi xmlns:a14="http://schemas.microsoft.com/office/drawing/2010/main" val="0"/>
+                <a14:useLocalDpi xmlns:a14="http://schemas.microsoft.com/office/drawing/2010/main" xmlns="" val="0"/>
               </a:ext>
             </a:extLst>
           </a:blip>
@@ -3506,7 +3646,7 @@
           <a:noFill/>
           <a:extLst>
             <a:ext uri="{909E8E84-426E-40DD-AFC4-6F175D3DCCD1}">
-              <a14:hiddenFill xmlns:a14="http://schemas.microsoft.com/office/drawing/2010/main">
+              <a14:hiddenFill xmlns:a14="http://schemas.microsoft.com/office/drawing/2010/main" xmlns="">
                 <a:solidFill>
                   <a:srgbClr val="FFFFFF"/>
                 </a:solidFill>
@@ -3515,10 +3655,40 @@
           </a:extLst>
         </p:spPr>
       </p:pic>
+      <p:pic>
+        <p:nvPicPr>
+          <p:cNvPr id="5" name="Picture 4"/>
+          <p:cNvPicPr>
+            <a:picLocks noChangeAspect="1"/>
+          </p:cNvPicPr>
+          <p:nvPr/>
+        </p:nvPicPr>
+        <p:blipFill>
+          <a:blip r:embed="rId3" cstate="print">
+            <a:extLst>
+              <a:ext uri="{28A0092B-C50C-407E-A947-70E740481C1C}">
+                <a14:useLocalDpi xmlns="" xmlns:a14="http://schemas.microsoft.com/office/drawing/2010/main" xmlns:lc="http://schemas.openxmlformats.org/drawingml/2006/lockedCanvas" val="0"/>
+              </a:ext>
+            </a:extLst>
+          </a:blip>
+          <a:stretch>
+            <a:fillRect/>
+          </a:stretch>
+        </p:blipFill>
+        <p:spPr>
+          <a:xfrm>
+            <a:off x="0" y="0"/>
+            <a:ext cx="1062463" cy="751114"/>
+          </a:xfrm>
+          <a:prstGeom prst="rect">
+            <a:avLst/>
+          </a:prstGeom>
+        </p:spPr>
+      </p:pic>
     </p:spTree>
     <p:extLst>
       <p:ext uri="{BB962C8B-B14F-4D97-AF65-F5344CB8AC3E}">
-        <p14:creationId xmlns:p14="http://schemas.microsoft.com/office/powerpoint/2010/main" val="2023473961"/>
+        <p14:creationId xmlns:p14="http://schemas.microsoft.com/office/powerpoint/2010/main" xmlns="" val="2023473961"/>
       </p:ext>
     </p:extLst>
   </p:cSld>
@@ -3589,7 +3759,7 @@
           <a:blip r:embed="rId2">
             <a:extLst>
               <a:ext uri="{28A0092B-C50C-407E-A947-70E740481C1C}">
-                <a14:useLocalDpi xmlns:a14="http://schemas.microsoft.com/office/drawing/2010/main" val="0"/>
+                <a14:useLocalDpi xmlns:a14="http://schemas.microsoft.com/office/drawing/2010/main" xmlns="" val="0"/>
               </a:ext>
             </a:extLst>
           </a:blip>
@@ -3609,7 +3779,7 @@
           <a:noFill/>
           <a:extLst>
             <a:ext uri="{909E8E84-426E-40DD-AFC4-6F175D3DCCD1}">
-              <a14:hiddenFill xmlns:a14="http://schemas.microsoft.com/office/drawing/2010/main">
+              <a14:hiddenFill xmlns:a14="http://schemas.microsoft.com/office/drawing/2010/main" xmlns="">
                 <a:solidFill>
                   <a:srgbClr val="FFFFFF"/>
                 </a:solidFill>
@@ -3618,10 +3788,40 @@
           </a:extLst>
         </p:spPr>
       </p:pic>
+      <p:pic>
+        <p:nvPicPr>
+          <p:cNvPr id="4" name="Picture 3"/>
+          <p:cNvPicPr>
+            <a:picLocks noChangeAspect="1"/>
+          </p:cNvPicPr>
+          <p:nvPr/>
+        </p:nvPicPr>
+        <p:blipFill>
+          <a:blip r:embed="rId3" cstate="print">
+            <a:extLst>
+              <a:ext uri="{28A0092B-C50C-407E-A947-70E740481C1C}">
+                <a14:useLocalDpi xmlns="" xmlns:a14="http://schemas.microsoft.com/office/drawing/2010/main" xmlns:lc="http://schemas.openxmlformats.org/drawingml/2006/lockedCanvas" val="0"/>
+              </a:ext>
+            </a:extLst>
+          </a:blip>
+          <a:stretch>
+            <a:fillRect/>
+          </a:stretch>
+        </p:blipFill>
+        <p:spPr>
+          <a:xfrm>
+            <a:off x="0" y="0"/>
+            <a:ext cx="1062463" cy="751114"/>
+          </a:xfrm>
+          <a:prstGeom prst="rect">
+            <a:avLst/>
+          </a:prstGeom>
+        </p:spPr>
+      </p:pic>
     </p:spTree>
     <p:extLst>
       <p:ext uri="{BB962C8B-B14F-4D97-AF65-F5344CB8AC3E}">
-        <p14:creationId xmlns:p14="http://schemas.microsoft.com/office/powerpoint/2010/main" val="2034564408"/>
+        <p14:creationId xmlns:p14="http://schemas.microsoft.com/office/powerpoint/2010/main" xmlns="" val="2034564408"/>
       </p:ext>
     </p:extLst>
   </p:cSld>
@@ -3692,7 +3892,7 @@
           <a:blip r:embed="rId2">
             <a:extLst>
               <a:ext uri="{28A0092B-C50C-407E-A947-70E740481C1C}">
-                <a14:useLocalDpi xmlns:a14="http://schemas.microsoft.com/office/drawing/2010/main" val="0"/>
+                <a14:useLocalDpi xmlns:a14="http://schemas.microsoft.com/office/drawing/2010/main" xmlns="" val="0"/>
               </a:ext>
             </a:extLst>
           </a:blip>
@@ -3712,7 +3912,7 @@
           <a:noFill/>
           <a:extLst>
             <a:ext uri="{909E8E84-426E-40DD-AFC4-6F175D3DCCD1}">
-              <a14:hiddenFill xmlns:a14="http://schemas.microsoft.com/office/drawing/2010/main">
+              <a14:hiddenFill xmlns:a14="http://schemas.microsoft.com/office/drawing/2010/main" xmlns="">
                 <a:solidFill>
                   <a:srgbClr val="FFFFFF"/>
                 </a:solidFill>
@@ -3721,10 +3921,40 @@
           </a:extLst>
         </p:spPr>
       </p:pic>
+      <p:pic>
+        <p:nvPicPr>
+          <p:cNvPr id="4" name="Picture 3"/>
+          <p:cNvPicPr>
+            <a:picLocks noChangeAspect="1"/>
+          </p:cNvPicPr>
+          <p:nvPr/>
+        </p:nvPicPr>
+        <p:blipFill>
+          <a:blip r:embed="rId3" cstate="print">
+            <a:extLst>
+              <a:ext uri="{28A0092B-C50C-407E-A947-70E740481C1C}">
+                <a14:useLocalDpi xmlns="" xmlns:a14="http://schemas.microsoft.com/office/drawing/2010/main" xmlns:lc="http://schemas.openxmlformats.org/drawingml/2006/lockedCanvas" val="0"/>
+              </a:ext>
+            </a:extLst>
+          </a:blip>
+          <a:stretch>
+            <a:fillRect/>
+          </a:stretch>
+        </p:blipFill>
+        <p:spPr>
+          <a:xfrm>
+            <a:off x="0" y="0"/>
+            <a:ext cx="1062463" cy="751114"/>
+          </a:xfrm>
+          <a:prstGeom prst="rect">
+            <a:avLst/>
+          </a:prstGeom>
+        </p:spPr>
+      </p:pic>
     </p:spTree>
     <p:extLst>
       <p:ext uri="{BB962C8B-B14F-4D97-AF65-F5344CB8AC3E}">
-        <p14:creationId xmlns:p14="http://schemas.microsoft.com/office/powerpoint/2010/main" val="1947628260"/>
+        <p14:creationId xmlns:p14="http://schemas.microsoft.com/office/powerpoint/2010/main" xmlns="" val="1947628260"/>
       </p:ext>
     </p:extLst>
   </p:cSld>
@@ -3784,7 +4014,7 @@
     </a:clrScheme>
     <a:fontScheme name="Office">
       <a:majorFont>
-        <a:latin typeface="Calibri Light" panose="020F0302020204030204"/>
+        <a:latin typeface="Calibri Light"/>
         <a:ea typeface=""/>
         <a:cs typeface=""/>
         <a:font script="Jpan" typeface="ＭＳ Ｐゴシック"/>
@@ -3819,7 +4049,7 @@
         <a:font script="Geor" typeface="Sylfaen"/>
       </a:majorFont>
       <a:minorFont>
-        <a:latin typeface="Calibri" panose="020F0502020204030204"/>
+        <a:latin typeface="Calibri"/>
         <a:ea typeface=""/>
         <a:cs typeface=""/>
         <a:font script="Jpan" typeface="ＭＳ Ｐゴシック"/>
@@ -3996,7 +4226,7 @@
   <a:extraClrSchemeLst/>
   <a:extLst>
     <a:ext uri="{05A4C25C-085E-4340-85A3-A5531E510DB2}">
-      <thm15:themeFamily xmlns:thm15="http://schemas.microsoft.com/office/thememl/2012/main" name="Office Theme" id="{62F939B6-93AF-4DB8-9C6B-D6C7DFDC589F}" vid="{4A3C46E8-61CC-4603-A589-7422A47A8E4A}"/>
+      <thm15:themeFamily xmlns:thm15="http://schemas.microsoft.com/office/thememl/2012/main" xmlns="" name="Office Theme" id="{62F939B6-93AF-4DB8-9C6B-D6C7DFDC589F}" vid="{4A3C46E8-61CC-4603-A589-7422A47A8E4A}"/>
     </a:ext>
   </a:extLst>
 </a:theme>
